--- a/Instructions/Instruction for observers_9_Questionnaire.pptx
+++ b/Instructions/Instruction for observers_9_Questionnaire.pptx
@@ -118,6 +118,18 @@
 </p:presentation>
 </file>
 
+<file path=ppt/commentAuthors.xml><?xml version="1.0" encoding="utf-8"?>
+<p:cmAuthorLst xmlns:a="http://schemas.openxmlformats.org/drawingml/2006/main" xmlns:r="http://schemas.openxmlformats.org/officeDocument/2006/relationships" xmlns:p="http://schemas.openxmlformats.org/presentationml/2006/main">
+  <p:cmAuthor id="1" name="Cretenoud Aline Françoise" initials="CAF" lastIdx="1" clrIdx="0">
+    <p:extLst>
+      <p:ext uri="{19B8F6BF-5375-455C-9EA6-DF929625EA0E}">
+        <p15:presenceInfo xmlns:p15="http://schemas.microsoft.com/office/powerpoint/2012/main" userId="S-1-5-21-57989841-436374069-839522115-67962" providerId="AD"/>
+      </p:ext>
+    </p:extLst>
+  </p:cmAuthor>
+</p:cmAuthorLst>
+</file>
+
 <file path=ppt/notesMasters/notesMaster1.xml><?xml version="1.0" encoding="utf-8"?>
 <p:notesMaster xmlns:a="http://schemas.openxmlformats.org/drawingml/2006/main" xmlns:r="http://schemas.openxmlformats.org/officeDocument/2006/relationships" xmlns:p="http://schemas.openxmlformats.org/presentationml/2006/main">
   <p:cSld>
@@ -200,7 +212,7 @@
           <a:p>
             <a:fld id="{024A5357-A753-4D39-8A2E-56E39FBFD254}" type="datetimeFigureOut">
               <a:rPr lang="en-US" smtClean="0"/>
-              <a:t>12.08.2020</a:t>
+              <a:t>18.08.2020</a:t>
             </a:fld>
             <a:endParaRPr lang="en-US"/>
           </a:p>
@@ -598,7 +610,7 @@
           <a:p>
             <a:fld id="{D1CB3D34-4A5F-4479-84DC-395EB63EC8BA}" type="datetimeFigureOut">
               <a:rPr lang="en-US" smtClean="0"/>
-              <a:t>12.08.2020</a:t>
+              <a:t>18.08.2020</a:t>
             </a:fld>
             <a:endParaRPr lang="en-US"/>
           </a:p>
@@ -768,7 +780,7 @@
           <a:p>
             <a:fld id="{D1CB3D34-4A5F-4479-84DC-395EB63EC8BA}" type="datetimeFigureOut">
               <a:rPr lang="en-US" smtClean="0"/>
-              <a:t>12.08.2020</a:t>
+              <a:t>18.08.2020</a:t>
             </a:fld>
             <a:endParaRPr lang="en-US"/>
           </a:p>
@@ -948,7 +960,7 @@
           <a:p>
             <a:fld id="{D1CB3D34-4A5F-4479-84DC-395EB63EC8BA}" type="datetimeFigureOut">
               <a:rPr lang="en-US" smtClean="0"/>
-              <a:t>12.08.2020</a:t>
+              <a:t>18.08.2020</a:t>
             </a:fld>
             <a:endParaRPr lang="en-US"/>
           </a:p>
@@ -1118,7 +1130,7 @@
           <a:p>
             <a:fld id="{D1CB3D34-4A5F-4479-84DC-395EB63EC8BA}" type="datetimeFigureOut">
               <a:rPr lang="en-US" smtClean="0"/>
-              <a:t>12.08.2020</a:t>
+              <a:t>18.08.2020</a:t>
             </a:fld>
             <a:endParaRPr lang="en-US"/>
           </a:p>
@@ -1364,7 +1376,7 @@
           <a:p>
             <a:fld id="{D1CB3D34-4A5F-4479-84DC-395EB63EC8BA}" type="datetimeFigureOut">
               <a:rPr lang="en-US" smtClean="0"/>
-              <a:t>12.08.2020</a:t>
+              <a:t>18.08.2020</a:t>
             </a:fld>
             <a:endParaRPr lang="en-US"/>
           </a:p>
@@ -1596,7 +1608,7 @@
           <a:p>
             <a:fld id="{D1CB3D34-4A5F-4479-84DC-395EB63EC8BA}" type="datetimeFigureOut">
               <a:rPr lang="en-US" smtClean="0"/>
-              <a:t>12.08.2020</a:t>
+              <a:t>18.08.2020</a:t>
             </a:fld>
             <a:endParaRPr lang="en-US"/>
           </a:p>
@@ -1963,7 +1975,7 @@
           <a:p>
             <a:fld id="{D1CB3D34-4A5F-4479-84DC-395EB63EC8BA}" type="datetimeFigureOut">
               <a:rPr lang="en-US" smtClean="0"/>
-              <a:t>12.08.2020</a:t>
+              <a:t>18.08.2020</a:t>
             </a:fld>
             <a:endParaRPr lang="en-US"/>
           </a:p>
@@ -2081,7 +2093,7 @@
           <a:p>
             <a:fld id="{D1CB3D34-4A5F-4479-84DC-395EB63EC8BA}" type="datetimeFigureOut">
               <a:rPr lang="en-US" smtClean="0"/>
-              <a:t>12.08.2020</a:t>
+              <a:t>18.08.2020</a:t>
             </a:fld>
             <a:endParaRPr lang="en-US"/>
           </a:p>
@@ -2176,7 +2188,7 @@
           <a:p>
             <a:fld id="{D1CB3D34-4A5F-4479-84DC-395EB63EC8BA}" type="datetimeFigureOut">
               <a:rPr lang="en-US" smtClean="0"/>
-              <a:t>12.08.2020</a:t>
+              <a:t>18.08.2020</a:t>
             </a:fld>
             <a:endParaRPr lang="en-US"/>
           </a:p>
@@ -2453,7 +2465,7 @@
           <a:p>
             <a:fld id="{D1CB3D34-4A5F-4479-84DC-395EB63EC8BA}" type="datetimeFigureOut">
               <a:rPr lang="en-US" smtClean="0"/>
-              <a:t>12.08.2020</a:t>
+              <a:t>18.08.2020</a:t>
             </a:fld>
             <a:endParaRPr lang="en-US"/>
           </a:p>
@@ -2706,7 +2718,7 @@
           <a:p>
             <a:fld id="{D1CB3D34-4A5F-4479-84DC-395EB63EC8BA}" type="datetimeFigureOut">
               <a:rPr lang="en-US" smtClean="0"/>
-              <a:t>12.08.2020</a:t>
+              <a:t>18.08.2020</a:t>
             </a:fld>
             <a:endParaRPr lang="en-US"/>
           </a:p>
@@ -2919,7 +2931,7 @@
           <a:p>
             <a:fld id="{D1CB3D34-4A5F-4479-84DC-395EB63EC8BA}" type="datetimeFigureOut">
               <a:rPr lang="en-US" smtClean="0"/>
-              <a:t>12.08.2020</a:t>
+              <a:t>18.08.2020</a:t>
             </a:fld>
             <a:endParaRPr lang="en-US"/>
           </a:p>
@@ -3338,8 +3350,8 @@
         </p:nvSpPr>
         <p:spPr>
           <a:xfrm>
-            <a:off x="2307431" y="2021691"/>
-            <a:ext cx="7577138" cy="2814617"/>
+            <a:off x="3119031" y="2021691"/>
+            <a:ext cx="5953938" cy="2814617"/>
           </a:xfrm>
           <a:prstGeom prst="rect">
             <a:avLst/>
@@ -3388,7 +3400,7 @@
             </a:pPr>
             <a:r>
               <a:rPr lang="en-US" sz="2000" dirty="0"/>
-              <a:t>Could you let us know if you saw the group motion of the disks or not? </a:t>
+              <a:t>Did you dee the group motion of the disks? </a:t>
             </a:r>
           </a:p>
           <a:p>
@@ -4322,7 +4334,7 @@
         </p:nvSpPr>
         <p:spPr>
           <a:xfrm>
-            <a:off x="2276645" y="3395440"/>
+            <a:off x="2186346" y="3395440"/>
             <a:ext cx="1601063" cy="307777"/>
           </a:xfrm>
           <a:prstGeom prst="rect">
@@ -4338,7 +4350,7 @@
           <a:p>
             <a:r>
               <a:rPr lang="en-US" sz="1400" b="1" dirty="0"/>
-              <a:t>Jump left-right</a:t>
+              <a:t>Jumping left-right</a:t>
             </a:r>
           </a:p>
         </p:txBody>
@@ -4556,8 +4568,8 @@
         </p:nvSpPr>
         <p:spPr>
           <a:xfrm>
-            <a:off x="8492642" y="3502223"/>
-            <a:ext cx="2118413" cy="307777"/>
+            <a:off x="8331075" y="3502223"/>
+            <a:ext cx="2358433" cy="307777"/>
           </a:xfrm>
           <a:prstGeom prst="rect">
             <a:avLst/>
@@ -4573,7 +4585,7 @@
             <a:pPr algn="ctr"/>
             <a:r>
               <a:rPr lang="en-US" sz="1400" b="1" dirty="0"/>
-              <a:t>Move left-right altogether</a:t>
+              <a:t>Moving left-right altogether</a:t>
             </a:r>
           </a:p>
         </p:txBody>

--- a/Instructions/Instruction for observers_9_Questionnaire.pptx
+++ b/Instructions/Instruction for observers_9_Questionnaire.pptx
@@ -212,7 +212,7 @@
           <a:p>
             <a:fld id="{024A5357-A753-4D39-8A2E-56E39FBFD254}" type="datetimeFigureOut">
               <a:rPr lang="en-US" smtClean="0"/>
-              <a:t>18.08.2020</a:t>
+              <a:t>8/19/2020</a:t>
             </a:fld>
             <a:endParaRPr lang="en-US"/>
           </a:p>
@@ -610,7 +610,7 @@
           <a:p>
             <a:fld id="{D1CB3D34-4A5F-4479-84DC-395EB63EC8BA}" type="datetimeFigureOut">
               <a:rPr lang="en-US" smtClean="0"/>
-              <a:t>18.08.2020</a:t>
+              <a:t>8/19/2020</a:t>
             </a:fld>
             <a:endParaRPr lang="en-US"/>
           </a:p>
@@ -780,7 +780,7 @@
           <a:p>
             <a:fld id="{D1CB3D34-4A5F-4479-84DC-395EB63EC8BA}" type="datetimeFigureOut">
               <a:rPr lang="en-US" smtClean="0"/>
-              <a:t>18.08.2020</a:t>
+              <a:t>8/19/2020</a:t>
             </a:fld>
             <a:endParaRPr lang="en-US"/>
           </a:p>
@@ -960,7 +960,7 @@
           <a:p>
             <a:fld id="{D1CB3D34-4A5F-4479-84DC-395EB63EC8BA}" type="datetimeFigureOut">
               <a:rPr lang="en-US" smtClean="0"/>
-              <a:t>18.08.2020</a:t>
+              <a:t>8/19/2020</a:t>
             </a:fld>
             <a:endParaRPr lang="en-US"/>
           </a:p>
@@ -1130,7 +1130,7 @@
           <a:p>
             <a:fld id="{D1CB3D34-4A5F-4479-84DC-395EB63EC8BA}" type="datetimeFigureOut">
               <a:rPr lang="en-US" smtClean="0"/>
-              <a:t>18.08.2020</a:t>
+              <a:t>8/19/2020</a:t>
             </a:fld>
             <a:endParaRPr lang="en-US"/>
           </a:p>
@@ -1376,7 +1376,7 @@
           <a:p>
             <a:fld id="{D1CB3D34-4A5F-4479-84DC-395EB63EC8BA}" type="datetimeFigureOut">
               <a:rPr lang="en-US" smtClean="0"/>
-              <a:t>18.08.2020</a:t>
+              <a:t>8/19/2020</a:t>
             </a:fld>
             <a:endParaRPr lang="en-US"/>
           </a:p>
@@ -1608,7 +1608,7 @@
           <a:p>
             <a:fld id="{D1CB3D34-4A5F-4479-84DC-395EB63EC8BA}" type="datetimeFigureOut">
               <a:rPr lang="en-US" smtClean="0"/>
-              <a:t>18.08.2020</a:t>
+              <a:t>8/19/2020</a:t>
             </a:fld>
             <a:endParaRPr lang="en-US"/>
           </a:p>
@@ -1975,7 +1975,7 @@
           <a:p>
             <a:fld id="{D1CB3D34-4A5F-4479-84DC-395EB63EC8BA}" type="datetimeFigureOut">
               <a:rPr lang="en-US" smtClean="0"/>
-              <a:t>18.08.2020</a:t>
+              <a:t>8/19/2020</a:t>
             </a:fld>
             <a:endParaRPr lang="en-US"/>
           </a:p>
@@ -2093,7 +2093,7 @@
           <a:p>
             <a:fld id="{D1CB3D34-4A5F-4479-84DC-395EB63EC8BA}" type="datetimeFigureOut">
               <a:rPr lang="en-US" smtClean="0"/>
-              <a:t>18.08.2020</a:t>
+              <a:t>8/19/2020</a:t>
             </a:fld>
             <a:endParaRPr lang="en-US"/>
           </a:p>
@@ -2188,7 +2188,7 @@
           <a:p>
             <a:fld id="{D1CB3D34-4A5F-4479-84DC-395EB63EC8BA}" type="datetimeFigureOut">
               <a:rPr lang="en-US" smtClean="0"/>
-              <a:t>18.08.2020</a:t>
+              <a:t>8/19/2020</a:t>
             </a:fld>
             <a:endParaRPr lang="en-US"/>
           </a:p>
@@ -2465,7 +2465,7 @@
           <a:p>
             <a:fld id="{D1CB3D34-4A5F-4479-84DC-395EB63EC8BA}" type="datetimeFigureOut">
               <a:rPr lang="en-US" smtClean="0"/>
-              <a:t>18.08.2020</a:t>
+              <a:t>8/19/2020</a:t>
             </a:fld>
             <a:endParaRPr lang="en-US"/>
           </a:p>
@@ -2718,7 +2718,7 @@
           <a:p>
             <a:fld id="{D1CB3D34-4A5F-4479-84DC-395EB63EC8BA}" type="datetimeFigureOut">
               <a:rPr lang="en-US" smtClean="0"/>
-              <a:t>18.08.2020</a:t>
+              <a:t>8/19/2020</a:t>
             </a:fld>
             <a:endParaRPr lang="en-US"/>
           </a:p>
@@ -2931,7 +2931,7 @@
           <a:p>
             <a:fld id="{D1CB3D34-4A5F-4479-84DC-395EB63EC8BA}" type="datetimeFigureOut">
               <a:rPr lang="en-US" smtClean="0"/>
-              <a:t>18.08.2020</a:t>
+              <a:t>8/19/2020</a:t>
             </a:fld>
             <a:endParaRPr lang="en-US"/>
           </a:p>
@@ -3351,7 +3351,7 @@
         <p:spPr>
           <a:xfrm>
             <a:off x="3119031" y="2021691"/>
-            <a:ext cx="5953938" cy="2814617"/>
+            <a:ext cx="5953938" cy="2862322"/>
           </a:xfrm>
           <a:prstGeom prst="rect">
             <a:avLst/>
@@ -3400,7 +3400,15 @@
             </a:pPr>
             <a:r>
               <a:rPr lang="en-US" sz="2000" dirty="0"/>
-              <a:t>Did you dee the group motion of the disks? </a:t>
+              <a:t>Did you </a:t>
+            </a:r>
+            <a:r>
+              <a:rPr lang="en-US" sz="2000" dirty="0" smtClean="0"/>
+              <a:t>see group or element </a:t>
+            </a:r>
+            <a:r>
+              <a:rPr lang="en-US" sz="2000" dirty="0"/>
+              <a:t>motion of the disks? </a:t>
             </a:r>
           </a:p>
           <a:p>
@@ -3410,9 +3418,10 @@
               </a:lnSpc>
             </a:pPr>
             <a:r>
-              <a:rPr lang="en-US" sz="2000" dirty="0"/>
-              <a:t>Please proceed to the next slides to see the examples ;)</a:t>
-            </a:r>
+              <a:rPr lang="en-US" sz="2000" dirty="0" smtClean="0"/>
+              <a:t>Here are examples for both: </a:t>
+            </a:r>
+            <a:endParaRPr lang="en-US" sz="2000" dirty="0"/>
           </a:p>
           <a:p>
             <a:pPr algn="ctr">
@@ -3445,6 +3454,13 @@
   <p:clrMapOvr>
     <a:masterClrMapping/>
   </p:clrMapOvr>
+  <p:timing>
+    <p:tnLst>
+      <p:par>
+        <p:cTn id="1" dur="indefinite" restart="never" nodeType="tmRoot"/>
+      </p:par>
+    </p:tnLst>
+  </p:timing>
 </p:sld>
 </file>
 
@@ -3558,6 +3574,13 @@
   <p:clrMapOvr>
     <a:masterClrMapping/>
   </p:clrMapOvr>
+  <p:timing>
+    <p:tnLst>
+      <p:par>
+        <p:cTn id="1" dur="indefinite" restart="never" nodeType="tmRoot"/>
+      </p:par>
+    </p:tnLst>
+  </p:timing>
 </p:sld>
 </file>
 
@@ -3656,7 +3679,15 @@
             <a:pPr algn="ctr"/>
             <a:r>
               <a:rPr lang="en-US" sz="2000" dirty="0"/>
-              <a:t>Element Motion: two disks in the middle are flickering and the third disk is jumping from left to right </a:t>
+              <a:t>Element Motion: </a:t>
+            </a:r>
+            <a:r>
+              <a:rPr lang="en-US" sz="2000" dirty="0" smtClean="0"/>
+              <a:t>the outer </a:t>
+            </a:r>
+            <a:r>
+              <a:rPr lang="en-US" sz="2000" dirty="0"/>
+              <a:t>disk is jumping from left to right </a:t>
             </a:r>
           </a:p>
         </p:txBody>
@@ -3671,6 +3702,13 @@
   <p:clrMapOvr>
     <a:masterClrMapping/>
   </p:clrMapOvr>
+  <p:timing>
+    <p:tnLst>
+      <p:par>
+        <p:cTn id="1" dur="indefinite" restart="never" nodeType="tmRoot"/>
+      </p:par>
+    </p:tnLst>
+  </p:timing>
 </p:sld>
 </file>
 
@@ -4600,6 +4638,13 @@
   <p:clrMapOvr>
     <a:masterClrMapping/>
   </p:clrMapOvr>
+  <p:timing>
+    <p:tnLst>
+      <p:par>
+        <p:cTn id="1" dur="indefinite" restart="never" nodeType="tmRoot"/>
+      </p:par>
+    </p:tnLst>
+  </p:timing>
 </p:sld>
 </file>
 
